--- a/1. 발표자료(PPT)/20240522_연구사업 포스터 발표/포스터.pptx
+++ b/1. 발표자료(PPT)/20240522_연구사업 포스터 발표/포스터.pptx
@@ -8,7 +8,7 @@
     <p:sldId id="256" r:id="rId2"/>
   </p:sldIdLst>
   <p:sldSz cx="32399288" cy="43200638"/>
-  <p:notesSz cx="6858000" cy="9144000"/>
+  <p:notesSz cx="7102475" cy="10234613"/>
   <p:defaultTextStyle>
     <a:defPPr>
       <a:defRPr lang="en-US"/>
@@ -279,7 +279,7 @@
           <a:p>
             <a:fld id="{1F829707-DF63-4389-BB8E-250B90477273}" type="datetimeFigureOut">
               <a:rPr lang="ko-KR" altLang="en-US" smtClean="0"/>
-              <a:t>2024-05-15</a:t>
+              <a:t>2024-05-16</a:t>
             </a:fld>
             <a:endParaRPr lang="ko-KR" altLang="en-US"/>
           </a:p>
@@ -449,7 +449,7 @@
           <a:p>
             <a:fld id="{1F829707-DF63-4389-BB8E-250B90477273}" type="datetimeFigureOut">
               <a:rPr lang="ko-KR" altLang="en-US" smtClean="0"/>
-              <a:t>2024-05-15</a:t>
+              <a:t>2024-05-16</a:t>
             </a:fld>
             <a:endParaRPr lang="ko-KR" altLang="en-US"/>
           </a:p>
@@ -629,7 +629,7 @@
           <a:p>
             <a:fld id="{1F829707-DF63-4389-BB8E-250B90477273}" type="datetimeFigureOut">
               <a:rPr lang="ko-KR" altLang="en-US" smtClean="0"/>
-              <a:t>2024-05-15</a:t>
+              <a:t>2024-05-16</a:t>
             </a:fld>
             <a:endParaRPr lang="ko-KR" altLang="en-US"/>
           </a:p>
@@ -799,7 +799,7 @@
           <a:p>
             <a:fld id="{1F829707-DF63-4389-BB8E-250B90477273}" type="datetimeFigureOut">
               <a:rPr lang="ko-KR" altLang="en-US" smtClean="0"/>
-              <a:t>2024-05-15</a:t>
+              <a:t>2024-05-16</a:t>
             </a:fld>
             <a:endParaRPr lang="ko-KR" altLang="en-US"/>
           </a:p>
@@ -1043,7 +1043,7 @@
           <a:p>
             <a:fld id="{1F829707-DF63-4389-BB8E-250B90477273}" type="datetimeFigureOut">
               <a:rPr lang="ko-KR" altLang="en-US" smtClean="0"/>
-              <a:t>2024-05-15</a:t>
+              <a:t>2024-05-16</a:t>
             </a:fld>
             <a:endParaRPr lang="ko-KR" altLang="en-US"/>
           </a:p>
@@ -1275,7 +1275,7 @@
           <a:p>
             <a:fld id="{1F829707-DF63-4389-BB8E-250B90477273}" type="datetimeFigureOut">
               <a:rPr lang="ko-KR" altLang="en-US" smtClean="0"/>
-              <a:t>2024-05-15</a:t>
+              <a:t>2024-05-16</a:t>
             </a:fld>
             <a:endParaRPr lang="ko-KR" altLang="en-US"/>
           </a:p>
@@ -1642,7 +1642,7 @@
           <a:p>
             <a:fld id="{1F829707-DF63-4389-BB8E-250B90477273}" type="datetimeFigureOut">
               <a:rPr lang="ko-KR" altLang="en-US" smtClean="0"/>
-              <a:t>2024-05-15</a:t>
+              <a:t>2024-05-16</a:t>
             </a:fld>
             <a:endParaRPr lang="ko-KR" altLang="en-US"/>
           </a:p>
@@ -1760,7 +1760,7 @@
           <a:p>
             <a:fld id="{1F829707-DF63-4389-BB8E-250B90477273}" type="datetimeFigureOut">
               <a:rPr lang="ko-KR" altLang="en-US" smtClean="0"/>
-              <a:t>2024-05-15</a:t>
+              <a:t>2024-05-16</a:t>
             </a:fld>
             <a:endParaRPr lang="ko-KR" altLang="en-US"/>
           </a:p>
@@ -1855,7 +1855,7 @@
           <a:p>
             <a:fld id="{1F829707-DF63-4389-BB8E-250B90477273}" type="datetimeFigureOut">
               <a:rPr lang="ko-KR" altLang="en-US" smtClean="0"/>
-              <a:t>2024-05-15</a:t>
+              <a:t>2024-05-16</a:t>
             </a:fld>
             <a:endParaRPr lang="ko-KR" altLang="en-US"/>
           </a:p>
@@ -2132,7 +2132,7 @@
           <a:p>
             <a:fld id="{1F829707-DF63-4389-BB8E-250B90477273}" type="datetimeFigureOut">
               <a:rPr lang="ko-KR" altLang="en-US" smtClean="0"/>
-              <a:t>2024-05-15</a:t>
+              <a:t>2024-05-16</a:t>
             </a:fld>
             <a:endParaRPr lang="ko-KR" altLang="en-US"/>
           </a:p>
@@ -2389,7 +2389,7 @@
           <a:p>
             <a:fld id="{1F829707-DF63-4389-BB8E-250B90477273}" type="datetimeFigureOut">
               <a:rPr lang="ko-KR" altLang="en-US" smtClean="0"/>
-              <a:t>2024-05-15</a:t>
+              <a:t>2024-05-16</a:t>
             </a:fld>
             <a:endParaRPr lang="ko-KR" altLang="en-US"/>
           </a:p>
@@ -2602,7 +2602,7 @@
           <a:p>
             <a:fld id="{1F829707-DF63-4389-BB8E-250B90477273}" type="datetimeFigureOut">
               <a:rPr lang="ko-KR" altLang="en-US" smtClean="0"/>
-              <a:t>2024-05-15</a:t>
+              <a:t>2024-05-16</a:t>
             </a:fld>
             <a:endParaRPr lang="ko-KR" altLang="en-US"/>
           </a:p>
@@ -3021,7 +3021,7 @@
         </p:nvSpPr>
         <p:spPr>
           <a:xfrm>
-            <a:off x="3006757" y="310241"/>
+            <a:off x="0" y="-2381"/>
             <a:ext cx="26387361" cy="1835118"/>
           </a:xfrm>
           <a:prstGeom prst="rect">
@@ -3131,8 +3131,8 @@
         </p:nvSpPr>
         <p:spPr>
           <a:xfrm>
-            <a:off x="21439469" y="2678760"/>
-            <a:ext cx="10534369" cy="1101071"/>
+            <a:off x="1831513" y="2104479"/>
+            <a:ext cx="18600919" cy="1101071"/>
           </a:xfrm>
           <a:prstGeom prst="rect">
             <a:avLst/>
@@ -3144,83 +3144,182 @@
           </a:bodyPr>
           <a:lstStyle/>
           <a:p>
-            <a:pPr algn="r">
+            <a:pPr algn="ctr">
               <a:lnSpc>
                 <a:spcPct val="150000"/>
               </a:lnSpc>
             </a:pPr>
             <a:r>
-              <a:rPr lang="ko-KR" altLang="en-US" sz="5400" b="1" dirty="0">
+              <a:rPr lang="ko-KR" altLang="en-US" sz="5400" dirty="0" err="1" smtClean="0">
                 <a:solidFill>
                   <a:srgbClr val="646464"/>
                 </a:solidFill>
-                <a:latin typeface="경기천년제목 Bold" panose="02020803020101020101" pitchFamily="18" charset="-127"/>
-                <a:ea typeface="경기천년제목 Bold" panose="02020803020101020101" pitchFamily="18" charset="-127"/>
-                <a:cs typeface="함초롬돋움" panose="020B0604000101010101" pitchFamily="50" charset="-127"/>
-              </a:rPr>
-              <a:t>경기도 </a:t>
-            </a:r>
-            <a:r>
-              <a:rPr lang="ko-KR" altLang="en-US" sz="5400" dirty="0">
-                <a:solidFill>
-                  <a:srgbClr val="646464"/>
-                </a:solidFill>
-                <a:latin typeface="경기천년제목 Bold" panose="02020803020101020101" pitchFamily="18" charset="-127"/>
-                <a:ea typeface="경기천년제목 Bold" panose="02020803020101020101" pitchFamily="18" charset="-127"/>
-                <a:cs typeface="함초롬돋움" panose="020B0604000101010101" pitchFamily="50" charset="-127"/>
-              </a:rPr>
-              <a:t>보건환경연구원</a:t>
-            </a:r>
-            <a:r>
-              <a:rPr lang="ko-KR" altLang="en-US" sz="5400" b="1" dirty="0">
-                <a:solidFill>
-                  <a:srgbClr val="646464"/>
-                </a:solidFill>
-                <a:latin typeface="경기천년제목 Bold" panose="02020803020101020101" pitchFamily="18" charset="-127"/>
-                <a:ea typeface="경기천년제목 Bold" panose="02020803020101020101" pitchFamily="18" charset="-127"/>
-                <a:cs typeface="함초롬돋움" panose="020B0604000101010101" pitchFamily="50" charset="-127"/>
-              </a:rPr>
-              <a:t> </a:t>
-            </a:r>
-            <a:r>
-              <a:rPr lang="ko-KR" altLang="en-US" sz="5400" dirty="0">
-                <a:solidFill>
-                  <a:srgbClr val="646464"/>
-                </a:solidFill>
-                <a:latin typeface="경기천년제목 Bold" panose="02020803020101020101" pitchFamily="18" charset="-127"/>
-                <a:ea typeface="경기천년제목 Bold" panose="02020803020101020101" pitchFamily="18" charset="-127"/>
-                <a:cs typeface="함초롬돋움" panose="020B0604000101010101" pitchFamily="50" charset="-127"/>
-              </a:rPr>
-              <a:t>북부지원</a:t>
-            </a:r>
-            <a:r>
-              <a:rPr lang="ko-KR" altLang="en-US" sz="5400" b="1" dirty="0">
-                <a:solidFill>
-                  <a:srgbClr val="646464"/>
-                </a:solidFill>
-                <a:latin typeface="경기천년제목 Bold" panose="02020803020101020101" pitchFamily="18" charset="-127"/>
-                <a:ea typeface="경기천년제목 Bold" panose="02020803020101020101" pitchFamily="18" charset="-127"/>
-                <a:cs typeface="함초롬돋움" panose="020B0604000101010101" pitchFamily="50" charset="-127"/>
-              </a:rPr>
-              <a:t> </a:t>
-            </a:r>
-            <a:r>
-              <a:rPr lang="ko-KR" altLang="en-US" sz="5400" b="1" dirty="0" err="1">
-                <a:solidFill>
-                  <a:srgbClr val="646464"/>
-                </a:solidFill>
-                <a:latin typeface="경기천년제목 Bold" panose="02020803020101020101" pitchFamily="18" charset="-127"/>
-                <a:ea typeface="경기천년제목 Bold" panose="02020803020101020101" pitchFamily="18" charset="-127"/>
+                <a:latin typeface="경기천년제목 Light" panose="02020403020101020101" pitchFamily="18" charset="-127"/>
+                <a:ea typeface="경기천년제목 Light" panose="02020403020101020101" pitchFamily="18" charset="-127"/>
                 <a:cs typeface="함초롬돋움" panose="020B0604000101010101" pitchFamily="50" charset="-127"/>
               </a:rPr>
               <a:t>조의호</a:t>
             </a:r>
-            <a:endParaRPr lang="en-US" sz="5400" b="1" dirty="0">
+            <a:r>
+              <a:rPr lang="en-US" altLang="ko-KR" sz="5400" dirty="0" smtClean="0">
+                <a:solidFill>
+                  <a:srgbClr val="646464"/>
+                </a:solidFill>
+                <a:latin typeface="경기천년제목 Light" panose="02020403020101020101" pitchFamily="18" charset="-127"/>
+                <a:ea typeface="경기천년제목 Light" panose="02020403020101020101" pitchFamily="18" charset="-127"/>
+                <a:cs typeface="함초롬돋움" panose="020B0604000101010101" pitchFamily="50" charset="-127"/>
+              </a:rPr>
+              <a:t>, </a:t>
+            </a:r>
+            <a:r>
+              <a:rPr lang="ko-KR" altLang="en-US" sz="5400" dirty="0" err="1" smtClean="0">
+                <a:solidFill>
+                  <a:srgbClr val="646464"/>
+                </a:solidFill>
+                <a:latin typeface="경기천년제목 Light" panose="02020403020101020101" pitchFamily="18" charset="-127"/>
+                <a:ea typeface="경기천년제목 Light" panose="02020403020101020101" pitchFamily="18" charset="-127"/>
+                <a:cs typeface="함초롬돋움" panose="020B0604000101010101" pitchFamily="50" charset="-127"/>
+              </a:rPr>
+              <a:t>신형순</a:t>
+            </a:r>
+            <a:r>
+              <a:rPr lang="en-US" altLang="ko-KR" sz="5400" dirty="0" smtClean="0">
+                <a:solidFill>
+                  <a:srgbClr val="646464"/>
+                </a:solidFill>
+                <a:latin typeface="경기천년제목 Light" panose="02020403020101020101" pitchFamily="18" charset="-127"/>
+                <a:ea typeface="경기천년제목 Light" panose="02020403020101020101" pitchFamily="18" charset="-127"/>
+                <a:cs typeface="함초롬돋움" panose="020B0604000101010101" pitchFamily="50" charset="-127"/>
+              </a:rPr>
+              <a:t>, </a:t>
+            </a:r>
+            <a:r>
+              <a:rPr lang="ko-KR" altLang="en-US" sz="5400" dirty="0" smtClean="0">
+                <a:solidFill>
+                  <a:srgbClr val="646464"/>
+                </a:solidFill>
+                <a:latin typeface="경기천년제목 Light" panose="02020403020101020101" pitchFamily="18" charset="-127"/>
+                <a:ea typeface="경기천년제목 Light" panose="02020403020101020101" pitchFamily="18" charset="-127"/>
+                <a:cs typeface="함초롬돋움" panose="020B0604000101010101" pitchFamily="50" charset="-127"/>
+              </a:rPr>
+              <a:t>이상수</a:t>
+            </a:r>
+            <a:r>
+              <a:rPr lang="en-US" altLang="ko-KR" sz="5400" dirty="0" smtClean="0">
+                <a:solidFill>
+                  <a:srgbClr val="646464"/>
+                </a:solidFill>
+                <a:latin typeface="경기천년제목 Light" panose="02020403020101020101" pitchFamily="18" charset="-127"/>
+                <a:ea typeface="경기천년제목 Light" panose="02020403020101020101" pitchFamily="18" charset="-127"/>
+                <a:cs typeface="함초롬돋움" panose="020B0604000101010101" pitchFamily="50" charset="-127"/>
+              </a:rPr>
+              <a:t>, </a:t>
+            </a:r>
+            <a:r>
+              <a:rPr lang="ko-KR" altLang="en-US" sz="5400" dirty="0" smtClean="0">
+                <a:solidFill>
+                  <a:srgbClr val="646464"/>
+                </a:solidFill>
+                <a:latin typeface="경기천년제목 Light" panose="02020403020101020101" pitchFamily="18" charset="-127"/>
+                <a:ea typeface="경기천년제목 Light" panose="02020403020101020101" pitchFamily="18" charset="-127"/>
+                <a:cs typeface="함초롬돋움" panose="020B0604000101010101" pitchFamily="50" charset="-127"/>
+              </a:rPr>
+              <a:t>박기범</a:t>
+            </a:r>
+            <a:r>
+              <a:rPr lang="en-US" altLang="ko-KR" sz="5400" dirty="0" smtClean="0">
+                <a:solidFill>
+                  <a:srgbClr val="646464"/>
+                </a:solidFill>
+                <a:latin typeface="경기천년제목 Light" panose="02020403020101020101" pitchFamily="18" charset="-127"/>
+                <a:ea typeface="경기천년제목 Light" panose="02020403020101020101" pitchFamily="18" charset="-127"/>
+                <a:cs typeface="함초롬돋움" panose="020B0604000101010101" pitchFamily="50" charset="-127"/>
+              </a:rPr>
+              <a:t>, </a:t>
+            </a:r>
+            <a:r>
+              <a:rPr lang="ko-KR" altLang="en-US" sz="5400" dirty="0" err="1" smtClean="0">
+                <a:solidFill>
+                  <a:srgbClr val="646464"/>
+                </a:solidFill>
+                <a:latin typeface="경기천년제목 Light" panose="02020403020101020101" pitchFamily="18" charset="-127"/>
+                <a:ea typeface="경기천년제목 Light" panose="02020403020101020101" pitchFamily="18" charset="-127"/>
+                <a:cs typeface="함초롬돋움" panose="020B0604000101010101" pitchFamily="50" charset="-127"/>
+              </a:rPr>
+              <a:t>윤서영</a:t>
+            </a:r>
+            <a:r>
+              <a:rPr lang="en-US" altLang="ko-KR" sz="5400" dirty="0" smtClean="0">
+                <a:solidFill>
+                  <a:srgbClr val="646464"/>
+                </a:solidFill>
+                <a:latin typeface="경기천년제목 Light" panose="02020403020101020101" pitchFamily="18" charset="-127"/>
+                <a:ea typeface="경기천년제목 Light" panose="02020403020101020101" pitchFamily="18" charset="-127"/>
+                <a:cs typeface="함초롬돋움" panose="020B0604000101010101" pitchFamily="50" charset="-127"/>
+              </a:rPr>
+              <a:t>, </a:t>
+            </a:r>
+            <a:r>
+              <a:rPr lang="ko-KR" altLang="en-US" sz="5400" dirty="0" smtClean="0">
+                <a:solidFill>
+                  <a:srgbClr val="646464"/>
+                </a:solidFill>
+                <a:latin typeface="경기천년제목 Light" panose="02020403020101020101" pitchFamily="18" charset="-127"/>
+                <a:ea typeface="경기천년제목 Light" panose="02020403020101020101" pitchFamily="18" charset="-127"/>
+                <a:cs typeface="함초롬돋움" panose="020B0604000101010101" pitchFamily="50" charset="-127"/>
+              </a:rPr>
+              <a:t>오은주</a:t>
+            </a:r>
+            <a:r>
+              <a:rPr lang="en-US" altLang="ko-KR" sz="5400" dirty="0" smtClean="0">
+                <a:solidFill>
+                  <a:srgbClr val="646464"/>
+                </a:solidFill>
+                <a:latin typeface="경기천년제목 Light" panose="02020403020101020101" pitchFamily="18" charset="-127"/>
+                <a:ea typeface="경기천년제목 Light" panose="02020403020101020101" pitchFamily="18" charset="-127"/>
+                <a:cs typeface="함초롬돋움" panose="020B0604000101010101" pitchFamily="50" charset="-127"/>
+              </a:rPr>
+              <a:t>, </a:t>
+            </a:r>
+            <a:r>
+              <a:rPr lang="ko-KR" altLang="en-US" sz="5400" dirty="0" smtClean="0">
+                <a:solidFill>
+                  <a:srgbClr val="646464"/>
+                </a:solidFill>
+                <a:latin typeface="경기천년제목 Light" panose="02020403020101020101" pitchFamily="18" charset="-127"/>
+                <a:ea typeface="경기천년제목 Light" panose="02020403020101020101" pitchFamily="18" charset="-127"/>
+                <a:cs typeface="함초롬돋움" panose="020B0604000101010101" pitchFamily="50" charset="-127"/>
+              </a:rPr>
+              <a:t>정은희</a:t>
+            </a:r>
+            <a:r>
+              <a:rPr lang="en-US" altLang="ko-KR" sz="5400" dirty="0" smtClean="0">
+                <a:solidFill>
+                  <a:srgbClr val="646464"/>
+                </a:solidFill>
+                <a:latin typeface="경기천년제목 Light" panose="02020403020101020101" pitchFamily="18" charset="-127"/>
+                <a:ea typeface="경기천년제목 Light" panose="02020403020101020101" pitchFamily="18" charset="-127"/>
+                <a:cs typeface="함초롬돋움" panose="020B0604000101010101" pitchFamily="50" charset="-127"/>
+              </a:rPr>
+              <a:t>, </a:t>
+            </a:r>
+            <a:r>
+              <a:rPr lang="ko-KR" altLang="en-US" sz="5400" dirty="0" err="1" smtClean="0">
+                <a:solidFill>
+                  <a:srgbClr val="646464"/>
+                </a:solidFill>
+                <a:latin typeface="경기천년제목 Light" panose="02020403020101020101" pitchFamily="18" charset="-127"/>
+                <a:ea typeface="경기천년제목 Light" panose="02020403020101020101" pitchFamily="18" charset="-127"/>
+                <a:cs typeface="함초롬돋움" panose="020B0604000101010101" pitchFamily="50" charset="-127"/>
+              </a:rPr>
+              <a:t>권보연</a:t>
+            </a:r>
+            <a:endParaRPr lang="en-US" altLang="ko-KR" sz="5400" dirty="0" smtClean="0">
               <a:solidFill>
                 <a:srgbClr val="646464"/>
               </a:solidFill>
-              <a:latin typeface="경기천년제목 Bold" panose="02020803020101020101" pitchFamily="18" charset="-127"/>
-              <a:ea typeface="경기천년제목 Bold" panose="02020803020101020101" pitchFamily="18" charset="-127"/>
+              <a:latin typeface="경기천년제목 Light" panose="02020403020101020101" pitchFamily="18" charset="-127"/>
+              <a:ea typeface="경기천년제목 Light" panose="02020403020101020101" pitchFamily="18" charset="-127"/>
               <a:cs typeface="함초롬돋움" panose="020B0604000101010101" pitchFamily="50" charset="-127"/>
             </a:endParaRPr>
           </a:p>
@@ -8926,7 +9025,7 @@
             <a:blip r:embed="rId2">
               <a:extLst>
                 <a:ext uri="{28A0092B-C50C-407E-A947-70E740481C1C}">
-                  <a14:useLocalDpi xmlns:a14="http://schemas.microsoft.com/office/drawing/2010/main" val="0"/>
+                  <a14:useLocalDpi xmlns:a14="http://schemas.microsoft.com/office/drawing/2010/main"/>
                 </a:ext>
               </a:extLst>
             </a:blip>
@@ -8962,7 +9061,7 @@
             <a:blip r:embed="rId3">
               <a:extLst>
                 <a:ext uri="{28A0092B-C50C-407E-A947-70E740481C1C}">
-                  <a14:useLocalDpi xmlns:a14="http://schemas.microsoft.com/office/drawing/2010/main" val="0"/>
+                  <a14:useLocalDpi xmlns:a14="http://schemas.microsoft.com/office/drawing/2010/main"/>
                 </a:ext>
               </a:extLst>
             </a:blip>
@@ -8998,7 +9097,7 @@
             <a:blip r:embed="rId4">
               <a:extLst>
                 <a:ext uri="{28A0092B-C50C-407E-A947-70E740481C1C}">
-                  <a14:useLocalDpi xmlns:a14="http://schemas.microsoft.com/office/drawing/2010/main" val="0"/>
+                  <a14:useLocalDpi xmlns:a14="http://schemas.microsoft.com/office/drawing/2010/main"/>
                 </a:ext>
               </a:extLst>
             </a:blip>
@@ -9034,7 +9133,7 @@
             <a:blip r:embed="rId5">
               <a:extLst>
                 <a:ext uri="{28A0092B-C50C-407E-A947-70E740481C1C}">
-                  <a14:useLocalDpi xmlns:a14="http://schemas.microsoft.com/office/drawing/2010/main" val="0"/>
+                  <a14:useLocalDpi xmlns:a14="http://schemas.microsoft.com/office/drawing/2010/main"/>
                 </a:ext>
               </a:extLst>
             </a:blip>
@@ -9071,7 +9170,7 @@
           <a:blip r:embed="rId6">
             <a:extLst>
               <a:ext uri="{28A0092B-C50C-407E-A947-70E740481C1C}">
-                <a14:useLocalDpi xmlns:a14="http://schemas.microsoft.com/office/drawing/2010/main" val="0"/>
+                <a14:useLocalDpi xmlns:a14="http://schemas.microsoft.com/office/drawing/2010/main"/>
               </a:ext>
             </a:extLst>
           </a:blip>
@@ -9124,8 +9223,14 @@
             <p:nvPr/>
           </p:nvPicPr>
           <p:blipFill rotWithShape="1">
-            <a:blip r:embed="rId7"/>
-            <a:srcRect b="32131"/>
+            <a:blip r:embed="rId7" cstate="print">
+              <a:extLst>
+                <a:ext uri="{28A0092B-C50C-407E-A947-70E740481C1C}">
+                  <a14:useLocalDpi xmlns:a14="http://schemas.microsoft.com/office/drawing/2010/main"/>
+                </a:ext>
+              </a:extLst>
+            </a:blip>
+            <a:srcRect/>
             <a:stretch/>
           </p:blipFill>
           <p:spPr>
@@ -9153,7 +9258,13 @@
             <p:nvPr/>
           </p:nvPicPr>
           <p:blipFill>
-            <a:blip r:embed="rId8"/>
+            <a:blip r:embed="rId8">
+              <a:extLst>
+                <a:ext uri="{28A0092B-C50C-407E-A947-70E740481C1C}">
+                  <a14:useLocalDpi xmlns:a14="http://schemas.microsoft.com/office/drawing/2010/main"/>
+                </a:ext>
+              </a:extLst>
+            </a:blip>
             <a:stretch>
               <a:fillRect/>
             </a:stretch>
@@ -9767,7 +9878,7 @@
           <a:blip r:embed="rId9">
             <a:extLst>
               <a:ext uri="{28A0092B-C50C-407E-A947-70E740481C1C}">
-                <a14:useLocalDpi xmlns:a14="http://schemas.microsoft.com/office/drawing/2010/main" val="0"/>
+                <a14:useLocalDpi xmlns:a14="http://schemas.microsoft.com/office/drawing/2010/main"/>
               </a:ext>
             </a:extLst>
           </a:blip>
@@ -9803,7 +9914,7 @@
           <a:blip r:embed="rId10" cstate="print">
             <a:extLst>
               <a:ext uri="{28A0092B-C50C-407E-A947-70E740481C1C}">
-                <a14:useLocalDpi xmlns:a14="http://schemas.microsoft.com/office/drawing/2010/main" val="0"/>
+                <a14:useLocalDpi xmlns:a14="http://schemas.microsoft.com/office/drawing/2010/main"/>
               </a:ext>
             </a:extLst>
           </a:blip>
@@ -9839,7 +9950,7 @@
           <a:blip r:embed="rId11" cstate="print">
             <a:extLst>
               <a:ext uri="{28A0092B-C50C-407E-A947-70E740481C1C}">
-                <a14:useLocalDpi xmlns:a14="http://schemas.microsoft.com/office/drawing/2010/main" val="0"/>
+                <a14:useLocalDpi xmlns:a14="http://schemas.microsoft.com/office/drawing/2010/main"/>
               </a:ext>
             </a:extLst>
           </a:blip>
@@ -9875,7 +9986,7 @@
           <a:blip r:embed="rId12" cstate="print">
             <a:extLst>
               <a:ext uri="{28A0092B-C50C-407E-A947-70E740481C1C}">
-                <a14:useLocalDpi xmlns:a14="http://schemas.microsoft.com/office/drawing/2010/main" val="0"/>
+                <a14:useLocalDpi xmlns:a14="http://schemas.microsoft.com/office/drawing/2010/main"/>
               </a:ext>
             </a:extLst>
           </a:blip>
@@ -9911,7 +10022,7 @@
           <a:blip r:embed="rId13" cstate="print">
             <a:extLst>
               <a:ext uri="{28A0092B-C50C-407E-A947-70E740481C1C}">
-                <a14:useLocalDpi xmlns:a14="http://schemas.microsoft.com/office/drawing/2010/main" val="0"/>
+                <a14:useLocalDpi xmlns:a14="http://schemas.microsoft.com/office/drawing/2010/main"/>
               </a:ext>
             </a:extLst>
           </a:blip>
@@ -9947,7 +10058,7 @@
           <a:blip r:embed="rId14" cstate="print">
             <a:extLst>
               <a:ext uri="{28A0092B-C50C-407E-A947-70E740481C1C}">
-                <a14:useLocalDpi xmlns:a14="http://schemas.microsoft.com/office/drawing/2010/main" val="0"/>
+                <a14:useLocalDpi xmlns:a14="http://schemas.microsoft.com/office/drawing/2010/main"/>
               </a:ext>
             </a:extLst>
           </a:blip>
@@ -10459,7 +10570,7 @@
               <a:blip r:embed="rId15">
                 <a:extLst>
                   <a:ext uri="{28A0092B-C50C-407E-A947-70E740481C1C}">
-                    <a14:useLocalDpi xmlns:a14="http://schemas.microsoft.com/office/drawing/2010/main" val="0"/>
+                    <a14:useLocalDpi xmlns:a14="http://schemas.microsoft.com/office/drawing/2010/main"/>
                   </a:ext>
                 </a:extLst>
               </a:blip>
@@ -10495,7 +10606,7 @@
               <a:blip r:embed="rId16">
                 <a:extLst>
                   <a:ext uri="{28A0092B-C50C-407E-A947-70E740481C1C}">
-                    <a14:useLocalDpi xmlns:a14="http://schemas.microsoft.com/office/drawing/2010/main" val="0"/>
+                    <a14:useLocalDpi xmlns:a14="http://schemas.microsoft.com/office/drawing/2010/main"/>
                   </a:ext>
                 </a:extLst>
               </a:blip>
@@ -10531,7 +10642,7 @@
               <a:blip r:embed="rId17">
                 <a:extLst>
                   <a:ext uri="{28A0092B-C50C-407E-A947-70E740481C1C}">
-                    <a14:useLocalDpi xmlns:a14="http://schemas.microsoft.com/office/drawing/2010/main" val="0"/>
+                    <a14:useLocalDpi xmlns:a14="http://schemas.microsoft.com/office/drawing/2010/main"/>
                   </a:ext>
                 </a:extLst>
               </a:blip>
@@ -10567,7 +10678,7 @@
               <a:blip r:embed="rId18">
                 <a:extLst>
                   <a:ext uri="{28A0092B-C50C-407E-A947-70E740481C1C}">
-                    <a14:useLocalDpi xmlns:a14="http://schemas.microsoft.com/office/drawing/2010/main" val="0"/>
+                    <a14:useLocalDpi xmlns:a14="http://schemas.microsoft.com/office/drawing/2010/main"/>
                   </a:ext>
                 </a:extLst>
               </a:blip>
@@ -10601,8 +10712,14 @@
             <p:nvPr/>
           </p:nvPicPr>
           <p:blipFill rotWithShape="1">
-            <a:blip r:embed="rId19"/>
-            <a:srcRect l="-7725" r="13973"/>
+            <a:blip r:embed="rId19" cstate="hqprint">
+              <a:extLst>
+                <a:ext uri="{28A0092B-C50C-407E-A947-70E740481C1C}">
+                  <a14:useLocalDpi xmlns:a14="http://schemas.microsoft.com/office/drawing/2010/main"/>
+                </a:ext>
+              </a:extLst>
+            </a:blip>
+            <a:srcRect l="-8980"/>
             <a:stretch/>
           </p:blipFill>
           <p:spPr>
@@ -10633,7 +10750,7 @@
             <a:blip r:embed="rId20">
               <a:extLst>
                 <a:ext uri="{28A0092B-C50C-407E-A947-70E740481C1C}">
-                  <a14:useLocalDpi xmlns:a14="http://schemas.microsoft.com/office/drawing/2010/main" val="0"/>
+                  <a14:useLocalDpi xmlns:a14="http://schemas.microsoft.com/office/drawing/2010/main"/>
                 </a:ext>
               </a:extLst>
             </a:blip>
@@ -10666,10 +10783,10 @@
             <p:nvPr/>
           </p:nvPicPr>
           <p:blipFill rotWithShape="1">
-            <a:blip r:embed="rId21">
+            <a:blip r:embed="rId21" cstate="print">
               <a:extLst>
                 <a:ext uri="{28A0092B-C50C-407E-A947-70E740481C1C}">
-                  <a14:useLocalDpi xmlns:a14="http://schemas.microsoft.com/office/drawing/2010/main" val="0"/>
+                  <a14:useLocalDpi xmlns:a14="http://schemas.microsoft.com/office/drawing/2010/main"/>
                 </a:ext>
               </a:extLst>
             </a:blip>
@@ -12842,7 +12959,7 @@
             <a:blip r:embed="rId22">
               <a:extLst>
                 <a:ext uri="{28A0092B-C50C-407E-A947-70E740481C1C}">
-                  <a14:useLocalDpi xmlns:a14="http://schemas.microsoft.com/office/drawing/2010/main" val="0"/>
+                  <a14:useLocalDpi xmlns:a14="http://schemas.microsoft.com/office/drawing/2010/main"/>
                 </a:ext>
               </a:extLst>
             </a:blip>
@@ -12878,7 +12995,7 @@
             <a:blip r:embed="rId23">
               <a:extLst>
                 <a:ext uri="{28A0092B-C50C-407E-A947-70E740481C1C}">
-                  <a14:useLocalDpi xmlns:a14="http://schemas.microsoft.com/office/drawing/2010/main" val="0"/>
+                  <a14:useLocalDpi xmlns:a14="http://schemas.microsoft.com/office/drawing/2010/main"/>
                 </a:ext>
               </a:extLst>
             </a:blip>
@@ -12934,7 +13051,7 @@
               <a:blip r:embed="rId14" cstate="print">
                 <a:extLst>
                   <a:ext uri="{28A0092B-C50C-407E-A947-70E740481C1C}">
-                    <a14:useLocalDpi xmlns:a14="http://schemas.microsoft.com/office/drawing/2010/main" val="0"/>
+                    <a14:useLocalDpi xmlns:a14="http://schemas.microsoft.com/office/drawing/2010/main"/>
                   </a:ext>
                 </a:extLst>
               </a:blip>
@@ -12989,7 +13106,7 @@
                 <a:blip r:embed="rId24" cstate="print">
                   <a:extLst>
                     <a:ext uri="{28A0092B-C50C-407E-A947-70E740481C1C}">
-                      <a14:useLocalDpi xmlns:a14="http://schemas.microsoft.com/office/drawing/2010/main" val="0"/>
+                      <a14:useLocalDpi xmlns:a14="http://schemas.microsoft.com/office/drawing/2010/main"/>
                     </a:ext>
                   </a:extLst>
                 </a:blip>
@@ -13124,7 +13241,7 @@
               <a:blip r:embed="rId14" cstate="print">
                 <a:extLst>
                   <a:ext uri="{28A0092B-C50C-407E-A947-70E740481C1C}">
-                    <a14:useLocalDpi xmlns:a14="http://schemas.microsoft.com/office/drawing/2010/main" val="0"/>
+                    <a14:useLocalDpi xmlns:a14="http://schemas.microsoft.com/office/drawing/2010/main"/>
                   </a:ext>
                 </a:extLst>
               </a:blip>
@@ -13179,7 +13296,7 @@
                 <a:blip r:embed="rId24" cstate="print">
                   <a:extLst>
                     <a:ext uri="{28A0092B-C50C-407E-A947-70E740481C1C}">
-                      <a14:useLocalDpi xmlns:a14="http://schemas.microsoft.com/office/drawing/2010/main" val="0"/>
+                      <a14:useLocalDpi xmlns:a14="http://schemas.microsoft.com/office/drawing/2010/main"/>
                     </a:ext>
                   </a:extLst>
                 </a:blip>
@@ -13314,7 +13431,7 @@
               <a:blip r:embed="rId25" cstate="print">
                 <a:extLst>
                   <a:ext uri="{28A0092B-C50C-407E-A947-70E740481C1C}">
-                    <a14:useLocalDpi xmlns:a14="http://schemas.microsoft.com/office/drawing/2010/main" val="0"/>
+                    <a14:useLocalDpi xmlns:a14="http://schemas.microsoft.com/office/drawing/2010/main"/>
                   </a:ext>
                 </a:extLst>
               </a:blip>
@@ -13480,7 +13597,7 @@
             <a:blip r:embed="rId26" cstate="print">
               <a:extLst>
                 <a:ext uri="{28A0092B-C50C-407E-A947-70E740481C1C}">
-                  <a14:useLocalDpi xmlns:a14="http://schemas.microsoft.com/office/drawing/2010/main" val="0"/>
+                  <a14:useLocalDpi xmlns:a14="http://schemas.microsoft.com/office/drawing/2010/main"/>
                 </a:ext>
               </a:extLst>
             </a:blip>
@@ -13535,7 +13652,7 @@
               <a:blip r:embed="rId27" cstate="print">
                 <a:extLst>
                   <a:ext uri="{28A0092B-C50C-407E-A947-70E740481C1C}">
-                    <a14:useLocalDpi xmlns:a14="http://schemas.microsoft.com/office/drawing/2010/main" val="0"/>
+                    <a14:useLocalDpi xmlns:a14="http://schemas.microsoft.com/office/drawing/2010/main"/>
                   </a:ext>
                 </a:extLst>
               </a:blip>
@@ -13663,7 +13780,7 @@
             <a:blip r:embed="rId14" cstate="print">
               <a:extLst>
                 <a:ext uri="{28A0092B-C50C-407E-A947-70E740481C1C}">
-                  <a14:useLocalDpi xmlns:a14="http://schemas.microsoft.com/office/drawing/2010/main" val="0"/>
+                  <a14:useLocalDpi xmlns:a14="http://schemas.microsoft.com/office/drawing/2010/main"/>
                 </a:ext>
               </a:extLst>
             </a:blip>
@@ -13698,7 +13815,7 @@
             <a:blip r:embed="rId28" cstate="print">
               <a:extLst>
                 <a:ext uri="{28A0092B-C50C-407E-A947-70E740481C1C}">
-                  <a14:useLocalDpi xmlns:a14="http://schemas.microsoft.com/office/drawing/2010/main" val="0"/>
+                  <a14:useLocalDpi xmlns:a14="http://schemas.microsoft.com/office/drawing/2010/main"/>
                 </a:ext>
               </a:extLst>
             </a:blip>
@@ -14239,7 +14356,7 @@
             <a:blip r:embed="rId29">
               <a:extLst>
                 <a:ext uri="{28A0092B-C50C-407E-A947-70E740481C1C}">
-                  <a14:useLocalDpi xmlns:a14="http://schemas.microsoft.com/office/drawing/2010/main" val="0"/>
+                  <a14:useLocalDpi xmlns:a14="http://schemas.microsoft.com/office/drawing/2010/main"/>
                 </a:ext>
               </a:extLst>
             </a:blip>
@@ -14563,6 +14680,36 @@
           </p:style>
         </p:cxnSp>
       </p:grpSp>
+      <p:pic>
+        <p:nvPicPr>
+          <p:cNvPr id="6" name="그림 5"/>
+          <p:cNvPicPr>
+            <a:picLocks noChangeAspect="1"/>
+          </p:cNvPicPr>
+          <p:nvPr/>
+        </p:nvPicPr>
+        <p:blipFill>
+          <a:blip r:embed="rId30">
+            <a:extLst>
+              <a:ext uri="{28A0092B-C50C-407E-A947-70E740481C1C}">
+                <a14:useLocalDpi xmlns:a14="http://schemas.microsoft.com/office/drawing/2010/main"/>
+              </a:ext>
+            </a:extLst>
+          </a:blip>
+          <a:stretch>
+            <a:fillRect/>
+          </a:stretch>
+        </p:blipFill>
+        <p:spPr>
+          <a:xfrm>
+            <a:off x="26548165" y="38197"/>
+            <a:ext cx="5429250" cy="5429250"/>
+          </a:xfrm>
+          <a:prstGeom prst="rect">
+            <a:avLst/>
+          </a:prstGeom>
+        </p:spPr>
+      </p:pic>
     </p:spTree>
     <p:extLst>
       <p:ext uri="{BB962C8B-B14F-4D97-AF65-F5344CB8AC3E}">
